--- a/SOHBigEventBox/docs/milestones_presentation.pptx
+++ b/SOHBigEventBox/docs/milestones_presentation.pptx
@@ -111,6 +111,11 @@
       </a:defRPr>
     </a:lvl9pPr>
   </p:defaultTextStyle>
+  <p:extLst>
+    <p:ext uri="{EFAFB233-063F-42B5-8137-9DF3F51BA10A}">
+      <p15:sldGuideLst xmlns:p15="http://schemas.microsoft.com/office/powerpoint/2012/main"/>
+    </p:ext>
+  </p:extLst>
 </p:presentation>
 </file>
 
@@ -261,7 +266,7 @@
           <a:p>
             <a:fld id="{D634C42C-0A21-D44F-AA66-6D2EB08C0493}" type="datetimeFigureOut">
               <a:rPr lang="de-DE" smtClean="0"/>
-              <a:t>31.10.24</a:t>
+              <a:t>03.11.2024</a:t>
             </a:fld>
             <a:endParaRPr lang="de-DE"/>
           </a:p>
@@ -459,7 +464,7 @@
           <a:p>
             <a:fld id="{D634C42C-0A21-D44F-AA66-6D2EB08C0493}" type="datetimeFigureOut">
               <a:rPr lang="de-DE" smtClean="0"/>
-              <a:t>31.10.24</a:t>
+              <a:t>03.11.2024</a:t>
             </a:fld>
             <a:endParaRPr lang="de-DE"/>
           </a:p>
@@ -667,7 +672,7 @@
           <a:p>
             <a:fld id="{D634C42C-0A21-D44F-AA66-6D2EB08C0493}" type="datetimeFigureOut">
               <a:rPr lang="de-DE" smtClean="0"/>
-              <a:t>31.10.24</a:t>
+              <a:t>03.11.2024</a:t>
             </a:fld>
             <a:endParaRPr lang="de-DE"/>
           </a:p>
@@ -865,7 +870,7 @@
           <a:p>
             <a:fld id="{D634C42C-0A21-D44F-AA66-6D2EB08C0493}" type="datetimeFigureOut">
               <a:rPr lang="de-DE" smtClean="0"/>
-              <a:t>31.10.24</a:t>
+              <a:t>03.11.2024</a:t>
             </a:fld>
             <a:endParaRPr lang="de-DE"/>
           </a:p>
@@ -1140,7 +1145,7 @@
           <a:p>
             <a:fld id="{D634C42C-0A21-D44F-AA66-6D2EB08C0493}" type="datetimeFigureOut">
               <a:rPr lang="de-DE" smtClean="0"/>
-              <a:t>31.10.24</a:t>
+              <a:t>03.11.2024</a:t>
             </a:fld>
             <a:endParaRPr lang="de-DE"/>
           </a:p>
@@ -1405,7 +1410,7 @@
           <a:p>
             <a:fld id="{D634C42C-0A21-D44F-AA66-6D2EB08C0493}" type="datetimeFigureOut">
               <a:rPr lang="de-DE" smtClean="0"/>
-              <a:t>31.10.24</a:t>
+              <a:t>03.11.2024</a:t>
             </a:fld>
             <a:endParaRPr lang="de-DE"/>
           </a:p>
@@ -1817,7 +1822,7 @@
           <a:p>
             <a:fld id="{D634C42C-0A21-D44F-AA66-6D2EB08C0493}" type="datetimeFigureOut">
               <a:rPr lang="de-DE" smtClean="0"/>
-              <a:t>31.10.24</a:t>
+              <a:t>03.11.2024</a:t>
             </a:fld>
             <a:endParaRPr lang="de-DE"/>
           </a:p>
@@ -1958,7 +1963,7 @@
           <a:p>
             <a:fld id="{D634C42C-0A21-D44F-AA66-6D2EB08C0493}" type="datetimeFigureOut">
               <a:rPr lang="de-DE" smtClean="0"/>
-              <a:t>31.10.24</a:t>
+              <a:t>03.11.2024</a:t>
             </a:fld>
             <a:endParaRPr lang="de-DE"/>
           </a:p>
@@ -2071,7 +2076,7 @@
           <a:p>
             <a:fld id="{D634C42C-0A21-D44F-AA66-6D2EB08C0493}" type="datetimeFigureOut">
               <a:rPr lang="de-DE" smtClean="0"/>
-              <a:t>31.10.24</a:t>
+              <a:t>03.11.2024</a:t>
             </a:fld>
             <a:endParaRPr lang="de-DE"/>
           </a:p>
@@ -2382,7 +2387,7 @@
           <a:p>
             <a:fld id="{D634C42C-0A21-D44F-AA66-6D2EB08C0493}" type="datetimeFigureOut">
               <a:rPr lang="de-DE" smtClean="0"/>
-              <a:t>31.10.24</a:t>
+              <a:t>03.11.2024</a:t>
             </a:fld>
             <a:endParaRPr lang="de-DE"/>
           </a:p>
@@ -2670,7 +2675,7 @@
           <a:p>
             <a:fld id="{D634C42C-0A21-D44F-AA66-6D2EB08C0493}" type="datetimeFigureOut">
               <a:rPr lang="de-DE" smtClean="0"/>
-              <a:t>31.10.24</a:t>
+              <a:t>03.11.2024</a:t>
             </a:fld>
             <a:endParaRPr lang="de-DE"/>
           </a:p>
@@ -2911,7 +2916,7 @@
           <a:p>
             <a:fld id="{D634C42C-0A21-D44F-AA66-6D2EB08C0493}" type="datetimeFigureOut">
               <a:rPr lang="de-DE" smtClean="0"/>
-              <a:t>31.10.24</a:t>
+              <a:t>03.11.2024</a:t>
             </a:fld>
             <a:endParaRPr lang="de-DE"/>
           </a:p>
@@ -3675,7 +3680,7 @@
           <a:p>
             <a:r>
               <a:rPr lang="de-DE" b="1" dirty="0"/>
-              <a:t>Identifikation</a:t>
+              <a:t>Identifikation und Analyse</a:t>
             </a:r>
             <a:r>
               <a:rPr lang="de-DE" dirty="0"/>
@@ -3683,12 +3688,9 @@
             </a:r>
             <a:r>
               <a:rPr lang="de-DE" b="1" dirty="0"/>
-              <a:t>von Engpässen </a:t>
-            </a:r>
-            <a:r>
-              <a:rPr lang="de-DE" dirty="0"/>
-              <a:t>und Entwicklung von interaktiven Lösungsmöglichkeiten</a:t>
-            </a:r>
+              <a:t>von Engpässen</a:t>
+            </a:r>
+            <a:endParaRPr lang="de-DE" dirty="0"/>
           </a:p>
         </p:txBody>
       </p:sp>
@@ -3812,7 +3814,7 @@
         <p:spPr/>
         <p:txBody>
           <a:bodyPr>
-            <a:normAutofit fontScale="92500" lnSpcReduction="10000"/>
+            <a:normAutofit lnSpcReduction="10000"/>
           </a:bodyPr>
           <a:lstStyle/>
           <a:p>
@@ -3887,7 +3889,7 @@
           <a:p>
             <a:r>
               <a:rPr lang="de-DE" dirty="0"/>
-              <a:t>Ziel: Analyse der Parkplatzauslastung und Vermeidung von Staus und Wartezeiten</a:t>
+              <a:t>Ziel: Analyse der Parkplatzauslastung</a:t>
             </a:r>
           </a:p>
         </p:txBody>
@@ -4026,7 +4028,7 @@
             </a:r>
             <a:r>
               <a:rPr lang="de-DE" dirty="0"/>
-              <a:t>: Durchschnittlich verlassen ca. 2 Autos pro Minute die Parkplätze in Spitzenzeiten</a:t>
+              <a:t>: Durchschnittlich verlassen ca. 2,5 Autos pro Minute die Parkplätze in Spitzenzeiten</a:t>
             </a:r>
           </a:p>
           <a:p>
@@ -4086,7 +4088,7 @@
           <a:p>
             <a:r>
               <a:rPr lang="de-DE" dirty="0"/>
-              <a:t>Simulation soll helfen, solche Engpässe in der Abfahrtszeit zu reduzieren</a:t>
+              <a:t>Simulation soll helfen, solche Engpässe zu identifizieren</a:t>
             </a:r>
           </a:p>
         </p:txBody>
@@ -4264,7 +4266,7 @@
           <a:p>
             <a:r>
               <a:rPr lang="de-DE" dirty="0"/>
-              <a:t>Ziel: Beobachtung und Analyse von Engpässen durch unterschiedliche Transportmittel</a:t>
+              <a:t>Ziel: Beobachtung und Identifikation von Engpässen durch unterschiedliche Transportmittel</a:t>
             </a:r>
           </a:p>
           <a:p>
@@ -4723,17 +4725,14 @@
                 </a:solidFill>
                 <a:effectLst/>
               </a:rPr>
-              <a:t>exemplarische Multimodalität</a:t>
-            </a:r>
-            <a:r>
-              <a:rPr lang="de-DE" b="0" i="0" u="none" strike="noStrike" dirty="0">
-                <a:solidFill>
-                  <a:srgbClr val="000000"/>
-                </a:solidFill>
-                <a:effectLst/>
-              </a:rPr>
-              <a:t> (z.B. nur Fahrrad als Transportmittel)</a:t>
-            </a:r>
+              <a:t>exemplarische Multimodalität mit ÖPNV</a:t>
+            </a:r>
+            <a:endParaRPr lang="de-DE" b="0" i="0" u="none" strike="noStrike" dirty="0">
+              <a:solidFill>
+                <a:srgbClr val="000000"/>
+              </a:solidFill>
+              <a:effectLst/>
+            </a:endParaRPr>
           </a:p>
           <a:p>
             <a:pPr marL="285750" indent="-285750"/>
@@ -4774,8 +4773,18 @@
                 </a:solidFill>
                 <a:effectLst/>
               </a:rPr>
-              <a:t>Ziel: Verhaltensmuster und erste Bewegungsmuster von Fahrradnutzern nach Konzertende visualisieren</a:t>
-            </a:r>
+              <a:t>Ziel: </a:t>
+            </a:r>
+            <a:r>
+              <a:rPr lang="de-DE" dirty="0"/>
+              <a:t>Verhaltensmuster und erste Bewegungen von ÖPNV-Nutzern nach Konzertende</a:t>
+            </a:r>
+            <a:endParaRPr lang="de-DE" b="0" i="0" u="none" strike="noStrike" dirty="0">
+              <a:solidFill>
+                <a:srgbClr val="000000"/>
+              </a:solidFill>
+              <a:effectLst/>
+            </a:endParaRPr>
           </a:p>
           <a:p>
             <a:pPr marL="285750" indent="-285750"/>

--- a/SOHBigEventBox/docs/milestones_presentation.pptx
+++ b/SOHBigEventBox/docs/milestones_presentation.pptx
@@ -266,7 +266,7 @@
           <a:p>
             <a:fld id="{D634C42C-0A21-D44F-AA66-6D2EB08C0493}" type="datetimeFigureOut">
               <a:rPr lang="de-DE" smtClean="0"/>
-              <a:t>03.11.2024</a:t>
+              <a:t>04.11.24</a:t>
             </a:fld>
             <a:endParaRPr lang="de-DE"/>
           </a:p>
@@ -464,7 +464,7 @@
           <a:p>
             <a:fld id="{D634C42C-0A21-D44F-AA66-6D2EB08C0493}" type="datetimeFigureOut">
               <a:rPr lang="de-DE" smtClean="0"/>
-              <a:t>03.11.2024</a:t>
+              <a:t>04.11.24</a:t>
             </a:fld>
             <a:endParaRPr lang="de-DE"/>
           </a:p>
@@ -672,7 +672,7 @@
           <a:p>
             <a:fld id="{D634C42C-0A21-D44F-AA66-6D2EB08C0493}" type="datetimeFigureOut">
               <a:rPr lang="de-DE" smtClean="0"/>
-              <a:t>03.11.2024</a:t>
+              <a:t>04.11.24</a:t>
             </a:fld>
             <a:endParaRPr lang="de-DE"/>
           </a:p>
@@ -870,7 +870,7 @@
           <a:p>
             <a:fld id="{D634C42C-0A21-D44F-AA66-6D2EB08C0493}" type="datetimeFigureOut">
               <a:rPr lang="de-DE" smtClean="0"/>
-              <a:t>03.11.2024</a:t>
+              <a:t>04.11.24</a:t>
             </a:fld>
             <a:endParaRPr lang="de-DE"/>
           </a:p>
@@ -1145,7 +1145,7 @@
           <a:p>
             <a:fld id="{D634C42C-0A21-D44F-AA66-6D2EB08C0493}" type="datetimeFigureOut">
               <a:rPr lang="de-DE" smtClean="0"/>
-              <a:t>03.11.2024</a:t>
+              <a:t>04.11.24</a:t>
             </a:fld>
             <a:endParaRPr lang="de-DE"/>
           </a:p>
@@ -1410,7 +1410,7 @@
           <a:p>
             <a:fld id="{D634C42C-0A21-D44F-AA66-6D2EB08C0493}" type="datetimeFigureOut">
               <a:rPr lang="de-DE" smtClean="0"/>
-              <a:t>03.11.2024</a:t>
+              <a:t>04.11.24</a:t>
             </a:fld>
             <a:endParaRPr lang="de-DE"/>
           </a:p>
@@ -1822,7 +1822,7 @@
           <a:p>
             <a:fld id="{D634C42C-0A21-D44F-AA66-6D2EB08C0493}" type="datetimeFigureOut">
               <a:rPr lang="de-DE" smtClean="0"/>
-              <a:t>03.11.2024</a:t>
+              <a:t>04.11.24</a:t>
             </a:fld>
             <a:endParaRPr lang="de-DE"/>
           </a:p>
@@ -1963,7 +1963,7 @@
           <a:p>
             <a:fld id="{D634C42C-0A21-D44F-AA66-6D2EB08C0493}" type="datetimeFigureOut">
               <a:rPr lang="de-DE" smtClean="0"/>
-              <a:t>03.11.2024</a:t>
+              <a:t>04.11.24</a:t>
             </a:fld>
             <a:endParaRPr lang="de-DE"/>
           </a:p>
@@ -2076,7 +2076,7 @@
           <a:p>
             <a:fld id="{D634C42C-0A21-D44F-AA66-6D2EB08C0493}" type="datetimeFigureOut">
               <a:rPr lang="de-DE" smtClean="0"/>
-              <a:t>03.11.2024</a:t>
+              <a:t>04.11.24</a:t>
             </a:fld>
             <a:endParaRPr lang="de-DE"/>
           </a:p>
@@ -2387,7 +2387,7 @@
           <a:p>
             <a:fld id="{D634C42C-0A21-D44F-AA66-6D2EB08C0493}" type="datetimeFigureOut">
               <a:rPr lang="de-DE" smtClean="0"/>
-              <a:t>03.11.2024</a:t>
+              <a:t>04.11.24</a:t>
             </a:fld>
             <a:endParaRPr lang="de-DE"/>
           </a:p>
@@ -2675,7 +2675,7 @@
           <a:p>
             <a:fld id="{D634C42C-0A21-D44F-AA66-6D2EB08C0493}" type="datetimeFigureOut">
               <a:rPr lang="de-DE" smtClean="0"/>
-              <a:t>03.11.2024</a:t>
+              <a:t>04.11.24</a:t>
             </a:fld>
             <a:endParaRPr lang="de-DE"/>
           </a:p>
@@ -2916,7 +2916,7 @@
           <a:p>
             <a:fld id="{D634C42C-0A21-D44F-AA66-6D2EB08C0493}" type="datetimeFigureOut">
               <a:rPr lang="de-DE" smtClean="0"/>
-              <a:t>03.11.2024</a:t>
+              <a:t>04.11.24</a:t>
             </a:fld>
             <a:endParaRPr lang="de-DE"/>
           </a:p>
@@ -3842,14 +3842,14 @@
             <a:pPr lvl="1"/>
             <a:r>
               <a:rPr lang="de-DE" dirty="0"/>
-              <a:t>BLAU: 275 Fahrzeuge &amp; teilt sich mit GRAU 2 Ausfahrten</a:t>
+              <a:t>BLAU: 200 Fahrzeuge &amp; teilt sich mit GRAU 2 Ausfahrten</a:t>
             </a:r>
           </a:p>
           <a:p>
             <a:pPr lvl="1"/>
             <a:r>
               <a:rPr lang="de-DE" dirty="0"/>
-              <a:t>ROT: 1.400 Fahrzeuge &amp; ca. 2 Ausfahrten </a:t>
+              <a:t>ROT: 1.900 Fahrzeuge &amp; ca. 2 Ausfahrten </a:t>
             </a:r>
           </a:p>
           <a:p>
@@ -3877,7 +3877,7 @@
             </a:r>
             <a:r>
               <a:rPr lang="de-DE" b="1" dirty="0"/>
-              <a:t>ca. 3.235 Parkplätze</a:t>
+              <a:t>ca. 3.660 Parkplätze</a:t>
             </a:r>
           </a:p>
           <a:p>
@@ -4042,7 +4042,7 @@
             </a:r>
             <a:r>
               <a:rPr lang="de-DE" dirty="0"/>
-              <a:t>: 3.235 Autos</a:t>
+              <a:t>: 3.660 Autos</a:t>
             </a:r>
           </a:p>
           <a:p>
@@ -4063,11 +4063,11 @@
             <a:pPr lvl="1"/>
             <a:r>
               <a:rPr lang="de-DE" dirty="0"/>
-              <a:t>Gesamt: 3.235 Autos ÷ 2,5 Autos pro Minute ÷ 5 Parkplätze ÷ 5 nutzbare Ausfahrten ÷ Puffer 1,5 ≈ </a:t>
+              <a:t>Gesamt: 3.660 Autos ÷ 2,5 Autos pro Minute ÷ 5 Parkplätze ÷ 5 nutzbare Ausfahrten ÷ Puffer 1,5 ≈ </a:t>
             </a:r>
             <a:r>
               <a:rPr lang="de-DE" b="1" dirty="0"/>
-              <a:t>34,5 Minuten Wartezeit</a:t>
+              <a:t>39 Minuten Wartezeit</a:t>
             </a:r>
           </a:p>
           <a:p>
